--- a/Project Presentation.pptx
+++ b/Project Presentation.pptx
@@ -1733,8 +1733,8 @@
             <a:defRPr b="1"/>
           </a:pPr>
           <a:r>
-            <a:rPr lang="en-US"/>
-            <a:t>Investment</a:t>
+            <a:rPr lang="en-US" dirty="0"/>
+            <a:t>              Investment</a:t>
           </a:r>
         </a:p>
       </dgm:t>
@@ -1805,8 +1805,8 @@
             <a:defRPr b="1"/>
           </a:pPr>
           <a:r>
-            <a:rPr lang="en-US"/>
-            <a:t>People</a:t>
+            <a:rPr lang="en-US" dirty="0"/>
+            <a:t>                                 People</a:t>
           </a:r>
         </a:p>
       </dgm:t>
@@ -2504,8 +2504,8 @@
             <a:defRPr b="1"/>
           </a:pPr>
           <a:r>
-            <a:rPr lang="en-US" sz="3300" kern="1200"/>
-            <a:t>Investment</a:t>
+            <a:rPr lang="en-US" sz="3300" kern="1200" dirty="0"/>
+            <a:t>              Investment</a:t>
           </a:r>
         </a:p>
       </dsp:txBody>
@@ -2639,8 +2639,8 @@
             <a:defRPr b="1"/>
           </a:pPr>
           <a:r>
-            <a:rPr lang="en-US" sz="3300" kern="1200"/>
-            <a:t>People</a:t>
+            <a:rPr lang="en-US" sz="3300" kern="1200" dirty="0"/>
+            <a:t>                                 People</a:t>
           </a:r>
         </a:p>
       </dsp:txBody>
@@ -5830,7 +5830,7 @@
           <a:p>
             <a:fld id="{88D38747-4367-4BD2-8D51-C97E202738E2}" type="datetime1">
               <a:rPr lang="en-US" smtClean="0"/>
-              <a:t>11/5/2020</a:t>
+              <a:t>11/6/2020</a:t>
             </a:fld>
             <a:endParaRPr lang="en-US" dirty="0"/>
           </a:p>
@@ -6059,7 +6059,7 @@
           <a:p>
             <a:fld id="{073ED0CC-082F-4160-86E5-0D6041F12778}" type="datetime1">
               <a:rPr lang="en-US" smtClean="0"/>
-              <a:t>11/5/2020</a:t>
+              <a:t>11/6/2020</a:t>
             </a:fld>
             <a:endParaRPr lang="en-US" dirty="0"/>
           </a:p>
@@ -6433,7 +6433,7 @@
           <a:p>
             <a:fld id="{49343D99-809A-49C0-96E5-4250D0B498EE}" type="datetime1">
               <a:rPr lang="en-US" smtClean="0"/>
-              <a:t>11/5/2020</a:t>
+              <a:t>11/6/2020</a:t>
             </a:fld>
             <a:endParaRPr lang="en-US" dirty="0"/>
           </a:p>
@@ -6551,7 +6551,7 @@
           <a:p>
             <a:fld id="{A143DE9B-B678-4EFB-BB7D-A4370204A0B0}" type="datetime1">
               <a:rPr lang="en-US" smtClean="0"/>
-              <a:t>11/5/2020</a:t>
+              <a:t>11/6/2020</a:t>
             </a:fld>
             <a:endParaRPr lang="en-US" dirty="0"/>
           </a:p>
@@ -6646,7 +6646,7 @@
           <a:p>
             <a:fld id="{E68812DA-F765-4142-A6A3-A8ED7235E082}" type="datetime1">
               <a:rPr lang="en-US" smtClean="0"/>
-              <a:t>11/5/2020</a:t>
+              <a:t>11/6/2020</a:t>
             </a:fld>
             <a:endParaRPr lang="en-US" dirty="0"/>
           </a:p>
@@ -6897,7 +6897,7 @@
           <a:p>
             <a:fld id="{3E0277FD-7DE6-41D4-930D-AC99F5AFE54E}" type="datetime1">
               <a:rPr lang="en-US" smtClean="0"/>
-              <a:t>11/5/2020</a:t>
+              <a:t>11/6/2020</a:t>
             </a:fld>
             <a:endParaRPr lang="en-US" dirty="0"/>
           </a:p>
@@ -7185,7 +7185,7 @@
           <a:p>
             <a:fld id="{9EA15526-7079-4B7B-987C-1B5FAE11A0FF}" type="datetime1">
               <a:rPr lang="en-US" smtClean="0"/>
-              <a:t>11/5/2020</a:t>
+              <a:t>11/6/2020</a:t>
             </a:fld>
             <a:endParaRPr lang="en-US" dirty="0"/>
           </a:p>
@@ -7473,7 +7473,7 @@
           <a:p>
             <a:fld id="{073ED0CC-082F-4160-86E5-0D6041F12778}" type="datetime1">
               <a:rPr lang="en-US" smtClean="0"/>
-              <a:t>11/5/2020</a:t>
+              <a:t>11/6/2020</a:t>
             </a:fld>
             <a:endParaRPr lang="en-US" dirty="0"/>
           </a:p>
@@ -7666,7 +7666,7 @@
           <a:p>
             <a:fld id="{073ED0CC-082F-4160-86E5-0D6041F12778}" type="datetime1">
               <a:rPr lang="en-US" smtClean="0"/>
-              <a:t>11/5/2020</a:t>
+              <a:t>11/6/2020</a:t>
             </a:fld>
             <a:endParaRPr lang="en-US" dirty="0"/>
           </a:p>
@@ -7928,7 +7928,7 @@
           <a:p>
             <a:fld id="{073ED0CC-082F-4160-86E5-0D6041F12778}" type="datetime1">
               <a:rPr lang="en-US" smtClean="0"/>
-              <a:t>11/5/2020</a:t>
+              <a:t>11/6/2020</a:t>
             </a:fld>
             <a:endParaRPr lang="en-US" dirty="0"/>
           </a:p>
@@ -8353,7 +8353,7 @@
           <a:p>
             <a:fld id="{073ED0CC-082F-4160-86E5-0D6041F12778}" type="datetime1">
               <a:rPr lang="en-US" smtClean="0"/>
-              <a:t>11/5/2020</a:t>
+              <a:t>11/6/2020</a:t>
             </a:fld>
             <a:endParaRPr lang="en-US" dirty="0"/>
           </a:p>
@@ -8900,7 +8900,7 @@
           <a:p>
             <a:fld id="{073ED0CC-082F-4160-86E5-0D6041F12778}" type="datetime1">
               <a:rPr lang="en-US" smtClean="0"/>
-              <a:t>11/5/2020</a:t>
+              <a:t>11/6/2020</a:t>
             </a:fld>
             <a:endParaRPr lang="en-US" dirty="0"/>
           </a:p>
@@ -9081,7 +9081,7 @@
           <a:p>
             <a:fld id="{073ED0CC-082F-4160-86E5-0D6041F12778}" type="datetime1">
               <a:rPr lang="en-US" smtClean="0"/>
-              <a:t>11/5/2020</a:t>
+              <a:t>11/6/2020</a:t>
             </a:fld>
             <a:endParaRPr lang="en-US" dirty="0"/>
           </a:p>
@@ -9922,7 +9922,7 @@
           <a:p>
             <a:fld id="{073ED0CC-082F-4160-86E5-0D6041F12778}" type="datetime1">
               <a:rPr lang="en-US" smtClean="0"/>
-              <a:t>11/5/2020</a:t>
+              <a:t>11/6/2020</a:t>
             </a:fld>
             <a:endParaRPr lang="en-US" dirty="0"/>
           </a:p>
@@ -10093,7 +10093,7 @@
           <a:p>
             <a:fld id="{073ED0CC-082F-4160-86E5-0D6041F12778}" type="datetime1">
               <a:rPr lang="en-US" smtClean="0"/>
-              <a:t>11/5/2020</a:t>
+              <a:t>11/6/2020</a:t>
             </a:fld>
             <a:endParaRPr lang="en-US" dirty="0"/>
           </a:p>
@@ -10278,7 +10278,7 @@
           <a:p>
             <a:fld id="{073ED0CC-082F-4160-86E5-0D6041F12778}" type="datetime1">
               <a:rPr lang="en-US" smtClean="0"/>
-              <a:t>11/5/2020</a:t>
+              <a:t>11/6/2020</a:t>
             </a:fld>
             <a:endParaRPr lang="en-US" dirty="0"/>
           </a:p>
@@ -10487,7 +10487,7 @@
           <a:p>
             <a:fld id="{88D38747-4367-4BD2-8D51-C97E202738E2}" type="datetime1">
               <a:rPr lang="en-US" smtClean="0"/>
-              <a:t>11/5/2020</a:t>
+              <a:t>11/6/2020</a:t>
             </a:fld>
             <a:endParaRPr lang="en-US" dirty="0"/>
           </a:p>
@@ -10686,7 +10686,7 @@
           <a:p>
             <a:fld id="{73C55A3C-5767-4844-A0A3-83778C2E5409}" type="datetime1">
               <a:rPr lang="en-US" smtClean="0"/>
-              <a:t>11/5/2020</a:t>
+              <a:t>11/6/2020</a:t>
             </a:fld>
             <a:endParaRPr lang="en-US" dirty="0"/>
           </a:p>
@@ -10961,7 +10961,7 @@
           <a:p>
             <a:fld id="{CAE507A8-A5CF-4D38-AB86-7EDDA87A85D4}" type="datetime1">
               <a:rPr lang="en-US" smtClean="0"/>
-              <a:t>11/5/2020</a:t>
+              <a:t>11/6/2020</a:t>
             </a:fld>
             <a:endParaRPr lang="en-US" dirty="0"/>
           </a:p>
@@ -11227,7 +11227,7 @@
           <a:p>
             <a:fld id="{BDFCD27C-8599-43EF-BA1D-14DDC1946E06}" type="datetime1">
               <a:rPr lang="en-US" smtClean="0"/>
-              <a:t>11/5/2020</a:t>
+              <a:t>11/6/2020</a:t>
             </a:fld>
             <a:endParaRPr lang="en-US" dirty="0"/>
           </a:p>
@@ -11639,7 +11639,7 @@
           <a:p>
             <a:fld id="{49343D99-809A-49C0-96E5-4250D0B498EE}" type="datetime1">
               <a:rPr lang="en-US" smtClean="0"/>
-              <a:t>11/5/2020</a:t>
+              <a:t>11/6/2020</a:t>
             </a:fld>
             <a:endParaRPr lang="en-US" dirty="0"/>
           </a:p>
@@ -11780,7 +11780,7 @@
           <a:p>
             <a:fld id="{A143DE9B-B678-4EFB-BB7D-A4370204A0B0}" type="datetime1">
               <a:rPr lang="en-US" smtClean="0"/>
-              <a:t>11/5/2020</a:t>
+              <a:t>11/6/2020</a:t>
             </a:fld>
             <a:endParaRPr lang="en-US" dirty="0"/>
           </a:p>
@@ -11893,7 +11893,7 @@
           <a:p>
             <a:fld id="{E68812DA-F765-4142-A6A3-A8ED7235E082}" type="datetime1">
               <a:rPr lang="en-US" smtClean="0"/>
-              <a:t>11/5/2020</a:t>
+              <a:t>11/6/2020</a:t>
             </a:fld>
             <a:endParaRPr lang="en-US" dirty="0"/>
           </a:p>
@@ -12442,7 +12442,7 @@
           <a:p>
             <a:fld id="{D9079DC3-C9B5-499E-9140-0DC28B7074E2}" type="datetime1">
               <a:rPr lang="en-US" smtClean="0"/>
-              <a:t>11/5/2020</a:t>
+              <a:t>11/6/2020</a:t>
             </a:fld>
             <a:endParaRPr lang="en-US" dirty="0"/>
           </a:p>
@@ -12741,7 +12741,7 @@
           <a:p>
             <a:fld id="{3E0277FD-7DE6-41D4-930D-AC99F5AFE54E}" type="datetime1">
               <a:rPr lang="en-US" smtClean="0"/>
-              <a:t>11/5/2020</a:t>
+              <a:t>11/6/2020</a:t>
             </a:fld>
             <a:endParaRPr lang="en-US" dirty="0"/>
           </a:p>
@@ -13030,7 +13030,7 @@
           <a:p>
             <a:fld id="{9EA15526-7079-4B7B-987C-1B5FAE11A0FF}" type="datetime1">
               <a:rPr lang="en-US" smtClean="0"/>
-              <a:t>11/5/2020</a:t>
+              <a:t>11/6/2020</a:t>
             </a:fld>
             <a:endParaRPr lang="en-US" dirty="0"/>
           </a:p>
@@ -13229,7 +13229,7 @@
           <a:p>
             <a:fld id="{073ED0CC-082F-4160-86E5-0D6041F12778}" type="datetime1">
               <a:rPr lang="en-US" smtClean="0"/>
-              <a:t>11/5/2020</a:t>
+              <a:t>11/6/2020</a:t>
             </a:fld>
             <a:endParaRPr lang="en-US" dirty="0"/>
           </a:p>
@@ -13438,7 +13438,7 @@
           <a:p>
             <a:fld id="{073ED0CC-082F-4160-86E5-0D6041F12778}" type="datetime1">
               <a:rPr lang="en-US" smtClean="0"/>
-              <a:t>11/5/2020</a:t>
+              <a:t>11/6/2020</a:t>
             </a:fld>
             <a:endParaRPr lang="en-US" dirty="0"/>
           </a:p>
@@ -13698,7 +13698,7 @@
           <a:p>
             <a:fld id="{88D38747-4367-4BD2-8D51-C97E202738E2}" type="datetime1">
               <a:rPr lang="en-US" smtClean="0"/>
-              <a:t>11/5/2020</a:t>
+              <a:t>11/6/2020</a:t>
             </a:fld>
             <a:endParaRPr lang="en-US" dirty="0"/>
           </a:p>
@@ -13869,7 +13869,7 @@
           <a:p>
             <a:fld id="{73C55A3C-5767-4844-A0A3-83778C2E5409}" type="datetime1">
               <a:rPr lang="en-US" smtClean="0"/>
-              <a:t>11/5/2020</a:t>
+              <a:t>11/6/2020</a:t>
             </a:fld>
             <a:endParaRPr lang="en-US" dirty="0"/>
           </a:p>
@@ -14116,7 +14116,7 @@
           <a:p>
             <a:fld id="{CAE507A8-A5CF-4D38-AB86-7EDDA87A85D4}" type="datetime1">
               <a:rPr lang="en-US" smtClean="0"/>
-              <a:t>11/5/2020</a:t>
+              <a:t>11/6/2020</a:t>
             </a:fld>
             <a:endParaRPr lang="en-US" dirty="0"/>
           </a:p>
@@ -14409,7 +14409,7 @@
           <a:p>
             <a:fld id="{BDFCD27C-8599-43EF-BA1D-14DDC1946E06}" type="datetime1">
               <a:rPr lang="en-US" smtClean="0"/>
-              <a:t>11/5/2020</a:t>
+              <a:t>11/6/2020</a:t>
             </a:fld>
             <a:endParaRPr lang="en-US" dirty="0"/>
           </a:p>
@@ -14853,7 +14853,7 @@
           <a:p>
             <a:fld id="{49343D99-809A-49C0-96E5-4250D0B498EE}" type="datetime1">
               <a:rPr lang="en-US" smtClean="0"/>
-              <a:t>11/5/2020</a:t>
+              <a:t>11/6/2020</a:t>
             </a:fld>
             <a:endParaRPr lang="en-US" dirty="0"/>
           </a:p>
@@ -14971,7 +14971,7 @@
           <a:p>
             <a:fld id="{A143DE9B-B678-4EFB-BB7D-A4370204A0B0}" type="datetime1">
               <a:rPr lang="en-US" smtClean="0"/>
-              <a:t>11/5/2020</a:t>
+              <a:t>11/6/2020</a:t>
             </a:fld>
             <a:endParaRPr lang="en-US" dirty="0"/>
           </a:p>
@@ -15066,7 +15066,7 @@
           <a:p>
             <a:fld id="{E68812DA-F765-4142-A6A3-A8ED7235E082}" type="datetime1">
               <a:rPr lang="en-US" smtClean="0"/>
-              <a:t>11/5/2020</a:t>
+              <a:t>11/6/2020</a:t>
             </a:fld>
             <a:endParaRPr lang="en-US" dirty="0"/>
           </a:p>
@@ -15236,7 +15236,7 @@
           <a:p>
             <a:fld id="{73C55A3C-5767-4844-A0A3-83778C2E5409}" type="datetime1">
               <a:rPr lang="en-US" smtClean="0"/>
-              <a:t>11/5/2020</a:t>
+              <a:t>11/6/2020</a:t>
             </a:fld>
             <a:endParaRPr lang="en-US" dirty="0"/>
           </a:p>
@@ -15515,7 +15515,7 @@
           <a:p>
             <a:fld id="{3E0277FD-7DE6-41D4-930D-AC99F5AFE54E}" type="datetime1">
               <a:rPr lang="en-US" smtClean="0"/>
-              <a:t>11/5/2020</a:t>
+              <a:t>11/6/2020</a:t>
             </a:fld>
             <a:endParaRPr lang="en-US" dirty="0"/>
           </a:p>
@@ -15791,7 +15791,7 @@
           <a:p>
             <a:fld id="{9EA15526-7079-4B7B-987C-1B5FAE11A0FF}" type="datetime1">
               <a:rPr lang="en-US" smtClean="0"/>
-              <a:t>11/5/2020</a:t>
+              <a:t>11/6/2020</a:t>
             </a:fld>
             <a:endParaRPr lang="en-US" dirty="0"/>
           </a:p>
@@ -16067,7 +16067,7 @@
           <a:p>
             <a:fld id="{073ED0CC-082F-4160-86E5-0D6041F12778}" type="datetime1">
               <a:rPr lang="en-US" smtClean="0"/>
-              <a:t>11/5/2020</a:t>
+              <a:t>11/6/2020</a:t>
             </a:fld>
             <a:endParaRPr lang="en-US" dirty="0"/>
           </a:p>
@@ -16262,7 +16262,7 @@
           <a:p>
             <a:fld id="{073ED0CC-082F-4160-86E5-0D6041F12778}" type="datetime1">
               <a:rPr lang="en-US" smtClean="0"/>
-              <a:t>11/5/2020</a:t>
+              <a:t>11/6/2020</a:t>
             </a:fld>
             <a:endParaRPr lang="en-US" dirty="0"/>
           </a:p>
@@ -16536,7 +16536,7 @@
           <a:p>
             <a:fld id="{073ED0CC-082F-4160-86E5-0D6041F12778}" type="datetime1">
               <a:rPr lang="en-US" smtClean="0"/>
-              <a:t>11/5/2020</a:t>
+              <a:t>11/6/2020</a:t>
             </a:fld>
             <a:endParaRPr lang="en-US" dirty="0"/>
           </a:p>
@@ -16878,7 +16878,7 @@
           <a:p>
             <a:fld id="{073ED0CC-082F-4160-86E5-0D6041F12778}" type="datetime1">
               <a:rPr lang="en-US" smtClean="0"/>
-              <a:t>11/5/2020</a:t>
+              <a:t>11/6/2020</a:t>
             </a:fld>
             <a:endParaRPr lang="en-US" dirty="0"/>
           </a:p>
@@ -17502,7 +17502,7 @@
           <a:p>
             <a:fld id="{D9079DC3-C9B5-499E-9140-0DC28B7074E2}" type="datetime1">
               <a:rPr lang="en-US" smtClean="0"/>
-              <a:t>11/5/2020</a:t>
+              <a:t>11/6/2020</a:t>
             </a:fld>
             <a:endParaRPr lang="en-US" dirty="0"/>
           </a:p>
@@ -18362,7 +18362,7 @@
           <a:p>
             <a:fld id="{073ED0CC-082F-4160-86E5-0D6041F12778}" type="datetime1">
               <a:rPr lang="en-US" smtClean="0"/>
-              <a:t>11/5/2020</a:t>
+              <a:t>11/6/2020</a:t>
             </a:fld>
             <a:endParaRPr lang="en-US" dirty="0"/>
           </a:p>
@@ -18533,7 +18533,7 @@
           <a:p>
             <a:fld id="{073ED0CC-082F-4160-86E5-0D6041F12778}" type="datetime1">
               <a:rPr lang="en-US" smtClean="0"/>
-              <a:t>11/5/2020</a:t>
+              <a:t>11/6/2020</a:t>
             </a:fld>
             <a:endParaRPr lang="en-US" dirty="0"/>
           </a:p>
@@ -18714,7 +18714,7 @@
           <a:p>
             <a:fld id="{073ED0CC-082F-4160-86E5-0D6041F12778}" type="datetime1">
               <a:rPr lang="en-US" smtClean="0"/>
-              <a:t>11/5/2020</a:t>
+              <a:t>11/6/2020</a:t>
             </a:fld>
             <a:endParaRPr lang="en-US" dirty="0"/>
           </a:p>
@@ -18969,7 +18969,7 @@
           <a:p>
             <a:fld id="{CAE507A8-A5CF-4D38-AB86-7EDDA87A85D4}" type="datetime1">
               <a:rPr lang="en-US" smtClean="0"/>
-              <a:t>11/5/2020</a:t>
+              <a:t>11/6/2020</a:t>
             </a:fld>
             <a:endParaRPr lang="en-US" dirty="0"/>
           </a:p>
@@ -19298,7 +19298,7 @@
           <a:p>
             <a:fld id="{88D38747-4367-4BD2-8D51-C97E202738E2}" type="datetime1">
               <a:rPr lang="en-US" smtClean="0"/>
-              <a:t>11/5/2020</a:t>
+              <a:t>11/6/2020</a:t>
             </a:fld>
             <a:endParaRPr lang="en-US" dirty="0"/>
           </a:p>
@@ -19509,7 +19509,7 @@
           <a:p>
             <a:fld id="{73C55A3C-5767-4844-A0A3-83778C2E5409}" type="datetime1">
               <a:rPr lang="en-US" smtClean="0"/>
-              <a:t>11/5/2020</a:t>
+              <a:t>11/6/2020</a:t>
             </a:fld>
             <a:endParaRPr lang="en-US" dirty="0"/>
           </a:p>
@@ -19785,7 +19785,7 @@
           <a:p>
             <a:fld id="{CAE507A8-A5CF-4D38-AB86-7EDDA87A85D4}" type="datetime1">
               <a:rPr lang="en-US" smtClean="0"/>
-              <a:t>11/5/2020</a:t>
+              <a:t>11/6/2020</a:t>
             </a:fld>
             <a:endParaRPr lang="en-US" dirty="0"/>
           </a:p>
@@ -20052,7 +20052,7 @@
           <a:p>
             <a:fld id="{BDFCD27C-8599-43EF-BA1D-14DDC1946E06}" type="datetime1">
               <a:rPr lang="en-US" smtClean="0"/>
-              <a:t>11/5/2020</a:t>
+              <a:t>11/6/2020</a:t>
             </a:fld>
             <a:endParaRPr lang="en-US" dirty="0"/>
           </a:p>
@@ -20426,7 +20426,7 @@
           <a:p>
             <a:fld id="{49343D99-809A-49C0-96E5-4250D0B498EE}" type="datetime1">
               <a:rPr lang="en-US" smtClean="0"/>
-              <a:t>11/5/2020</a:t>
+              <a:t>11/6/2020</a:t>
             </a:fld>
             <a:endParaRPr lang="en-US" dirty="0"/>
           </a:p>
@@ -20574,7 +20574,7 @@
           <a:p>
             <a:fld id="{A143DE9B-B678-4EFB-BB7D-A4370204A0B0}" type="datetime1">
               <a:rPr lang="en-US" smtClean="0"/>
-              <a:t>11/5/2020</a:t>
+              <a:t>11/6/2020</a:t>
             </a:fld>
             <a:endParaRPr lang="en-US" dirty="0"/>
           </a:p>
@@ -20699,7 +20699,7 @@
           <a:p>
             <a:fld id="{E68812DA-F765-4142-A6A3-A8ED7235E082}" type="datetime1">
               <a:rPr lang="en-US" smtClean="0"/>
-              <a:t>11/5/2020</a:t>
+              <a:t>11/6/2020</a:t>
             </a:fld>
             <a:endParaRPr lang="en-US" dirty="0"/>
           </a:p>
@@ -20984,7 +20984,7 @@
           <a:p>
             <a:fld id="{3E0277FD-7DE6-41D4-930D-AC99F5AFE54E}" type="datetime1">
               <a:rPr lang="en-US" smtClean="0"/>
-              <a:t>11/5/2020</a:t>
+              <a:t>11/6/2020</a:t>
             </a:fld>
             <a:endParaRPr lang="en-US" dirty="0"/>
           </a:p>
@@ -21309,7 +21309,7 @@
           <a:p>
             <a:fld id="{9EA15526-7079-4B7B-987C-1B5FAE11A0FF}" type="datetime1">
               <a:rPr lang="en-US" smtClean="0"/>
-              <a:t>11/5/2020</a:t>
+              <a:t>11/6/2020</a:t>
             </a:fld>
             <a:endParaRPr lang="en-US" dirty="0"/>
           </a:p>
@@ -21634,7 +21634,7 @@
           <a:p>
             <a:fld id="{073ED0CC-082F-4160-86E5-0D6041F12778}" type="datetime1">
               <a:rPr lang="en-US" smtClean="0"/>
-              <a:t>11/5/2020</a:t>
+              <a:t>11/6/2020</a:t>
             </a:fld>
             <a:endParaRPr lang="en-US" dirty="0"/>
           </a:p>
@@ -21923,7 +21923,7 @@
           <a:p>
             <a:fld id="{BDFCD27C-8599-43EF-BA1D-14DDC1946E06}" type="datetime1">
               <a:rPr lang="en-US" smtClean="0"/>
-              <a:t>11/5/2020</a:t>
+              <a:t>11/6/2020</a:t>
             </a:fld>
             <a:endParaRPr lang="en-US" dirty="0"/>
           </a:p>
@@ -22201,7 +22201,7 @@
           <a:p>
             <a:fld id="{073ED0CC-082F-4160-86E5-0D6041F12778}" type="datetime1">
               <a:rPr lang="en-US" smtClean="0"/>
-              <a:t>11/5/2020</a:t>
+              <a:t>11/6/2020</a:t>
             </a:fld>
             <a:endParaRPr lang="en-US" dirty="0"/>
           </a:p>
@@ -22770,7 +22770,7 @@
           <a:p>
             <a:fld id="{073ED0CC-082F-4160-86E5-0D6041F12778}" type="datetime1">
               <a:rPr lang="en-US" smtClean="0"/>
-              <a:t>11/5/2020</a:t>
+              <a:t>11/6/2020</a:t>
             </a:fld>
             <a:endParaRPr lang="en-US" dirty="0"/>
           </a:p>
@@ -23049,7 +23049,7 @@
           <a:p>
             <a:fld id="{073ED0CC-082F-4160-86E5-0D6041F12778}" type="datetime1">
               <a:rPr lang="en-US" smtClean="0"/>
-              <a:t>11/5/2020</a:t>
+              <a:t>11/6/2020</a:t>
             </a:fld>
             <a:endParaRPr lang="en-US" dirty="0"/>
           </a:p>
@@ -23612,7 +23612,7 @@
           <a:p>
             <a:fld id="{073ED0CC-082F-4160-86E5-0D6041F12778}" type="datetime1">
               <a:rPr lang="en-US" smtClean="0"/>
-              <a:t>11/5/2020</a:t>
+              <a:t>11/6/2020</a:t>
             </a:fld>
             <a:endParaRPr lang="en-US" dirty="0"/>
           </a:p>
@@ -23940,7 +23940,7 @@
           <a:p>
             <a:fld id="{073ED0CC-082F-4160-86E5-0D6041F12778}" type="datetime1">
               <a:rPr lang="en-US" smtClean="0"/>
-              <a:t>11/5/2020</a:t>
+              <a:t>11/6/2020</a:t>
             </a:fld>
             <a:endParaRPr lang="en-US" dirty="0"/>
           </a:p>
@@ -24118,7 +24118,7 @@
           <a:p>
             <a:fld id="{073ED0CC-082F-4160-86E5-0D6041F12778}" type="datetime1">
               <a:rPr lang="en-US" smtClean="0"/>
-              <a:t>11/5/2020</a:t>
+              <a:t>11/6/2020</a:t>
             </a:fld>
             <a:endParaRPr lang="en-US" dirty="0"/>
           </a:p>
@@ -24357,7 +24357,7 @@
           <a:p>
             <a:fld id="{073ED0CC-082F-4160-86E5-0D6041F12778}" type="datetime1">
               <a:rPr lang="en-US" smtClean="0"/>
-              <a:t>11/5/2020</a:t>
+              <a:t>11/6/2020</a:t>
             </a:fld>
             <a:endParaRPr lang="en-US" dirty="0"/>
           </a:p>
@@ -25141,7 +25141,7 @@
           <a:p>
             <a:fld id="{88D38747-4367-4BD2-8D51-C97E202738E2}" type="datetime1">
               <a:rPr lang="en-US" smtClean="0"/>
-              <a:t>11/5/2020</a:t>
+              <a:t>11/6/2020</a:t>
             </a:fld>
             <a:endParaRPr lang="en-US" dirty="0"/>
           </a:p>
@@ -25318,7 +25318,7 @@
           <a:p>
             <a:fld id="{73C55A3C-5767-4844-A0A3-83778C2E5409}" type="datetime1">
               <a:rPr lang="en-US" smtClean="0"/>
-              <a:t>11/5/2020</a:t>
+              <a:t>11/6/2020</a:t>
             </a:fld>
             <a:endParaRPr lang="en-US" dirty="0"/>
           </a:p>
@@ -25565,7 +25565,7 @@
           <a:p>
             <a:fld id="{CAE507A8-A5CF-4D38-AB86-7EDDA87A85D4}" type="datetime1">
               <a:rPr lang="en-US" smtClean="0"/>
-              <a:t>11/5/2020</a:t>
+              <a:t>11/6/2020</a:t>
             </a:fld>
             <a:endParaRPr lang="en-US" dirty="0"/>
           </a:p>
@@ -26017,7 +26017,7 @@
           <a:p>
             <a:fld id="{49343D99-809A-49C0-96E5-4250D0B498EE}" type="datetime1">
               <a:rPr lang="en-US" smtClean="0"/>
-              <a:t>11/5/2020</a:t>
+              <a:t>11/6/2020</a:t>
             </a:fld>
             <a:endParaRPr lang="en-US" dirty="0"/>
           </a:p>
@@ -26249,7 +26249,7 @@
           <a:p>
             <a:fld id="{BDFCD27C-8599-43EF-BA1D-14DDC1946E06}" type="datetime1">
               <a:rPr lang="en-US" smtClean="0"/>
-              <a:t>11/5/2020</a:t>
+              <a:t>11/6/2020</a:t>
             </a:fld>
             <a:endParaRPr lang="en-US" dirty="0"/>
           </a:p>
@@ -26623,7 +26623,7 @@
           <a:p>
             <a:fld id="{49343D99-809A-49C0-96E5-4250D0B498EE}" type="datetime1">
               <a:rPr lang="en-US" smtClean="0"/>
-              <a:t>11/5/2020</a:t>
+              <a:t>11/6/2020</a:t>
             </a:fld>
             <a:endParaRPr lang="en-US" dirty="0"/>
           </a:p>
@@ -26746,7 +26746,7 @@
           <a:p>
             <a:fld id="{A143DE9B-B678-4EFB-BB7D-A4370204A0B0}" type="datetime1">
               <a:rPr lang="en-US" smtClean="0"/>
-              <a:t>11/5/2020</a:t>
+              <a:t>11/6/2020</a:t>
             </a:fld>
             <a:endParaRPr lang="en-US" dirty="0"/>
           </a:p>
@@ -26841,7 +26841,7 @@
           <a:p>
             <a:fld id="{E68812DA-F765-4142-A6A3-A8ED7235E082}" type="datetime1">
               <a:rPr lang="en-US" smtClean="0"/>
-              <a:t>11/5/2020</a:t>
+              <a:t>11/6/2020</a:t>
             </a:fld>
             <a:endParaRPr lang="en-US" dirty="0"/>
           </a:p>
@@ -27096,7 +27096,7 @@
           <a:p>
             <a:fld id="{3E0277FD-7DE6-41D4-930D-AC99F5AFE54E}" type="datetime1">
               <a:rPr lang="en-US" smtClean="0"/>
-              <a:t>11/5/2020</a:t>
+              <a:t>11/6/2020</a:t>
             </a:fld>
             <a:endParaRPr lang="en-US" dirty="0"/>
           </a:p>
@@ -27360,7 +27360,7 @@
           <a:p>
             <a:fld id="{9EA15526-7079-4B7B-987C-1B5FAE11A0FF}" type="datetime1">
               <a:rPr lang="en-US" smtClean="0"/>
-              <a:t>11/5/2020</a:t>
+              <a:t>11/6/2020</a:t>
             </a:fld>
             <a:endParaRPr lang="en-US" dirty="0"/>
           </a:p>
@@ -27612,7 +27612,7 @@
           <a:p>
             <a:fld id="{073ED0CC-082F-4160-86E5-0D6041F12778}" type="datetime1">
               <a:rPr lang="en-US" smtClean="0"/>
-              <a:t>11/5/2020</a:t>
+              <a:t>11/6/2020</a:t>
             </a:fld>
             <a:endParaRPr lang="en-US" dirty="0"/>
           </a:p>
@@ -27927,7 +27927,7 @@
           <a:p>
             <a:fld id="{073ED0CC-082F-4160-86E5-0D6041F12778}" type="datetime1">
               <a:rPr lang="en-US" smtClean="0"/>
-              <a:t>11/5/2020</a:t>
+              <a:t>11/6/2020</a:t>
             </a:fld>
             <a:endParaRPr lang="en-US" dirty="0"/>
           </a:p>
@@ -28269,7 +28269,7 @@
           <a:p>
             <a:fld id="{073ED0CC-082F-4160-86E5-0D6041F12778}" type="datetime1">
               <a:rPr lang="en-US" smtClean="0"/>
-              <a:t>11/5/2020</a:t>
+              <a:t>11/6/2020</a:t>
             </a:fld>
             <a:endParaRPr lang="en-US" dirty="0"/>
           </a:p>
@@ -28584,7 +28584,7 @@
           <a:p>
             <a:fld id="{073ED0CC-082F-4160-86E5-0D6041F12778}" type="datetime1">
               <a:rPr lang="en-US" smtClean="0"/>
-              <a:t>11/5/2020</a:t>
+              <a:t>11/6/2020</a:t>
             </a:fld>
             <a:endParaRPr lang="en-US" dirty="0"/>
           </a:p>
@@ -28785,7 +28785,7 @@
           <a:p>
             <a:fld id="{A143DE9B-B678-4EFB-BB7D-A4370204A0B0}" type="datetime1">
               <a:rPr lang="en-US" smtClean="0"/>
-              <a:t>11/5/2020</a:t>
+              <a:t>11/6/2020</a:t>
             </a:fld>
             <a:endParaRPr lang="en-US" dirty="0"/>
           </a:p>
@@ -29096,7 +29096,7 @@
           <a:p>
             <a:fld id="{073ED0CC-082F-4160-86E5-0D6041F12778}" type="datetime1">
               <a:rPr lang="en-US" smtClean="0"/>
-              <a:t>11/5/2020</a:t>
+              <a:t>11/6/2020</a:t>
             </a:fld>
             <a:endParaRPr lang="en-US" dirty="0"/>
           </a:p>
@@ -29267,7 +29267,7 @@
           <a:p>
             <a:fld id="{073ED0CC-082F-4160-86E5-0D6041F12778}" type="datetime1">
               <a:rPr lang="en-US" smtClean="0"/>
-              <a:t>11/5/2020</a:t>
+              <a:t>11/6/2020</a:t>
             </a:fld>
             <a:endParaRPr lang="en-US" dirty="0"/>
           </a:p>
@@ -29448,7 +29448,7 @@
           <a:p>
             <a:fld id="{073ED0CC-082F-4160-86E5-0D6041F12778}" type="datetime1">
               <a:rPr lang="en-US" smtClean="0"/>
-              <a:t>11/5/2020</a:t>
+              <a:t>11/6/2020</a:t>
             </a:fld>
             <a:endParaRPr lang="en-US" dirty="0"/>
           </a:p>
@@ -29734,7 +29734,7 @@
           <a:p>
             <a:fld id="{88D38747-4367-4BD2-8D51-C97E202738E2}" type="datetime1">
               <a:rPr lang="en-US" smtClean="0"/>
-              <a:t>11/5/2020</a:t>
+              <a:t>11/6/2020</a:t>
             </a:fld>
             <a:endParaRPr lang="en-US" dirty="0"/>
           </a:p>
@@ -29905,7 +29905,7 @@
           <a:p>
             <a:fld id="{73C55A3C-5767-4844-A0A3-83778C2E5409}" type="datetime1">
               <a:rPr lang="en-US" smtClean="0"/>
-              <a:t>11/5/2020</a:t>
+              <a:t>11/6/2020</a:t>
             </a:fld>
             <a:endParaRPr lang="en-US" dirty="0"/>
           </a:p>
@@ -30163,7 +30163,7 @@
           <a:p>
             <a:fld id="{CAE507A8-A5CF-4D38-AB86-7EDDA87A85D4}" type="datetime1">
               <a:rPr lang="en-US" smtClean="0"/>
-              <a:t>11/5/2020</a:t>
+              <a:t>11/6/2020</a:t>
             </a:fld>
             <a:endParaRPr lang="en-US" dirty="0"/>
           </a:p>
@@ -30452,7 +30452,7 @@
           <a:p>
             <a:fld id="{BDFCD27C-8599-43EF-BA1D-14DDC1946E06}" type="datetime1">
               <a:rPr lang="en-US" smtClean="0"/>
-              <a:t>11/5/2020</a:t>
+              <a:t>11/6/2020</a:t>
             </a:fld>
             <a:endParaRPr lang="en-US" dirty="0"/>
           </a:p>
@@ -30894,7 +30894,7 @@
           <a:p>
             <a:fld id="{49343D99-809A-49C0-96E5-4250D0B498EE}" type="datetime1">
               <a:rPr lang="en-US" smtClean="0"/>
-              <a:t>11/5/2020</a:t>
+              <a:t>11/6/2020</a:t>
             </a:fld>
             <a:endParaRPr lang="en-US" dirty="0"/>
           </a:p>
@@ -31012,7 +31012,7 @@
           <a:p>
             <a:fld id="{A143DE9B-B678-4EFB-BB7D-A4370204A0B0}" type="datetime1">
               <a:rPr lang="en-US" smtClean="0"/>
-              <a:t>11/5/2020</a:t>
+              <a:t>11/6/2020</a:t>
             </a:fld>
             <a:endParaRPr lang="en-US" dirty="0"/>
           </a:p>
@@ -31107,7 +31107,7 @@
           <a:p>
             <a:fld id="{E68812DA-F765-4142-A6A3-A8ED7235E082}" type="datetime1">
               <a:rPr lang="en-US" smtClean="0"/>
-              <a:t>11/5/2020</a:t>
+              <a:t>11/6/2020</a:t>
             </a:fld>
             <a:endParaRPr lang="en-US" dirty="0"/>
           </a:p>
@@ -31202,7 +31202,7 @@
           <a:p>
             <a:fld id="{E68812DA-F765-4142-A6A3-A8ED7235E082}" type="datetime1">
               <a:rPr lang="en-US" smtClean="0"/>
-              <a:t>11/5/2020</a:t>
+              <a:t>11/6/2020</a:t>
             </a:fld>
             <a:endParaRPr lang="en-US" dirty="0"/>
           </a:p>
@@ -31490,7 +31490,7 @@
           <a:p>
             <a:fld id="{3E0277FD-7DE6-41D4-930D-AC99F5AFE54E}" type="datetime1">
               <a:rPr lang="en-US" smtClean="0"/>
-              <a:t>11/5/2020</a:t>
+              <a:t>11/6/2020</a:t>
             </a:fld>
             <a:endParaRPr lang="en-US" dirty="0"/>
           </a:p>
@@ -31764,7 +31764,7 @@
           <a:p>
             <a:fld id="{9EA15526-7079-4B7B-987C-1B5FAE11A0FF}" type="datetime1">
               <a:rPr lang="en-US" smtClean="0"/>
-              <a:t>11/5/2020</a:t>
+              <a:t>11/6/2020</a:t>
             </a:fld>
             <a:endParaRPr lang="en-US" dirty="0"/>
           </a:p>
@@ -31940,7 +31940,7 @@
           <a:p>
             <a:fld id="{073ED0CC-082F-4160-86E5-0D6041F12778}" type="datetime1">
               <a:rPr lang="en-US" smtClean="0"/>
-              <a:t>11/5/2020</a:t>
+              <a:t>11/6/2020</a:t>
             </a:fld>
             <a:endParaRPr lang="en-US" dirty="0"/>
           </a:p>
@@ -32121,7 +32121,7 @@
           <a:p>
             <a:fld id="{073ED0CC-082F-4160-86E5-0D6041F12778}" type="datetime1">
               <a:rPr lang="en-US" smtClean="0"/>
-              <a:t>11/5/2020</a:t>
+              <a:t>11/6/2020</a:t>
             </a:fld>
             <a:endParaRPr lang="en-US" dirty="0"/>
           </a:p>
@@ -32322,7 +32322,7 @@
           <a:p>
             <a:fld id="{88D38747-4367-4BD2-8D51-C97E202738E2}" type="datetime1">
               <a:rPr lang="en-US" smtClean="0"/>
-              <a:t>11/5/2020</a:t>
+              <a:t>11/6/2020</a:t>
             </a:fld>
             <a:endParaRPr lang="en-US" dirty="0"/>
           </a:p>
@@ -32534,7 +32534,7 @@
           <a:p>
             <a:fld id="{73C55A3C-5767-4844-A0A3-83778C2E5409}" type="datetime1">
               <a:rPr lang="en-US" smtClean="0"/>
-              <a:t>11/5/2020</a:t>
+              <a:t>11/6/2020</a:t>
             </a:fld>
             <a:endParaRPr lang="en-US" dirty="0"/>
           </a:p>
@@ -32813,7 +32813,7 @@
           <a:p>
             <a:fld id="{CAE507A8-A5CF-4D38-AB86-7EDDA87A85D4}" type="datetime1">
               <a:rPr lang="en-US" smtClean="0"/>
-              <a:t>11/5/2020</a:t>
+              <a:t>11/6/2020</a:t>
             </a:fld>
             <a:endParaRPr lang="en-US" dirty="0"/>
           </a:p>
@@ -33082,7 +33082,7 @@
           <a:p>
             <a:fld id="{BDFCD27C-8599-43EF-BA1D-14DDC1946E06}" type="datetime1">
               <a:rPr lang="en-US" smtClean="0"/>
-              <a:t>11/5/2020</a:t>
+              <a:t>11/6/2020</a:t>
             </a:fld>
             <a:endParaRPr lang="en-US" dirty="0"/>
           </a:p>
@@ -33498,7 +33498,7 @@
           <a:p>
             <a:fld id="{49343D99-809A-49C0-96E5-4250D0B498EE}" type="datetime1">
               <a:rPr lang="en-US" smtClean="0"/>
-              <a:t>11/5/2020</a:t>
+              <a:t>11/6/2020</a:t>
             </a:fld>
             <a:endParaRPr lang="en-US" dirty="0"/>
           </a:p>
@@ -33647,7 +33647,7 @@
           <a:p>
             <a:fld id="{A143DE9B-B678-4EFB-BB7D-A4370204A0B0}" type="datetime1">
               <a:rPr lang="en-US" smtClean="0"/>
-              <a:t>11/5/2020</a:t>
+              <a:t>11/6/2020</a:t>
             </a:fld>
             <a:endParaRPr lang="en-US" dirty="0"/>
           </a:p>
@@ -33965,7 +33965,7 @@
           <a:p>
             <a:fld id="{3E0277FD-7DE6-41D4-930D-AC99F5AFE54E}" type="datetime1">
               <a:rPr lang="en-US" smtClean="0"/>
-              <a:t>11/5/2020</a:t>
+              <a:t>11/6/2020</a:t>
             </a:fld>
             <a:endParaRPr lang="en-US" dirty="0"/>
           </a:p>
@@ -34061,7 +34061,7 @@
           <a:p>
             <a:fld id="{E68812DA-F765-4142-A6A3-A8ED7235E082}" type="datetime1">
               <a:rPr lang="en-US" smtClean="0"/>
-              <a:t>11/5/2020</a:t>
+              <a:t>11/6/2020</a:t>
             </a:fld>
             <a:endParaRPr lang="en-US" dirty="0"/>
           </a:p>
@@ -34312,7 +34312,7 @@
           <a:p>
             <a:fld id="{3E0277FD-7DE6-41D4-930D-AC99F5AFE54E}" type="datetime1">
               <a:rPr lang="en-US" smtClean="0"/>
-              <a:t>11/5/2020</a:t>
+              <a:t>11/6/2020</a:t>
             </a:fld>
             <a:endParaRPr lang="en-US" dirty="0"/>
           </a:p>
@@ -34758,7 +34758,7 @@
           <a:p>
             <a:fld id="{9EA15526-7079-4B7B-987C-1B5FAE11A0FF}" type="datetime1">
               <a:rPr lang="en-US" smtClean="0"/>
-              <a:t>11/5/2020</a:t>
+              <a:t>11/6/2020</a:t>
             </a:fld>
             <a:endParaRPr lang="en-US" dirty="0"/>
           </a:p>
@@ -34965,7 +34965,7 @@
           <a:p>
             <a:fld id="{073ED0CC-082F-4160-86E5-0D6041F12778}" type="datetime1">
               <a:rPr lang="en-US" smtClean="0"/>
-              <a:t>11/5/2020</a:t>
+              <a:t>11/6/2020</a:t>
             </a:fld>
             <a:endParaRPr lang="en-US" dirty="0"/>
           </a:p>
@@ -35181,7 +35181,7 @@
           <a:p>
             <a:fld id="{073ED0CC-082F-4160-86E5-0D6041F12778}" type="datetime1">
               <a:rPr lang="en-US" smtClean="0"/>
-              <a:t>11/5/2020</a:t>
+              <a:t>11/6/2020</a:t>
             </a:fld>
             <a:endParaRPr lang="en-US" dirty="0"/>
           </a:p>
@@ -35421,7 +35421,7 @@
           <a:p>
             <a:fld id="{88D38747-4367-4BD2-8D51-C97E202738E2}" type="datetime1">
               <a:rPr lang="en-US" smtClean="0"/>
-              <a:t>11/5/2020</a:t>
+              <a:t>11/6/2020</a:t>
             </a:fld>
             <a:endParaRPr lang="en-US" dirty="0"/>
           </a:p>
@@ -35620,7 +35620,7 @@
           <a:p>
             <a:fld id="{73C55A3C-5767-4844-A0A3-83778C2E5409}" type="datetime1">
               <a:rPr lang="en-US" smtClean="0"/>
-              <a:t>11/5/2020</a:t>
+              <a:t>11/6/2020</a:t>
             </a:fld>
             <a:endParaRPr lang="en-US" dirty="0"/>
           </a:p>
@@ -35895,7 +35895,7 @@
           <a:p>
             <a:fld id="{CAE507A8-A5CF-4D38-AB86-7EDDA87A85D4}" type="datetime1">
               <a:rPr lang="en-US" smtClean="0"/>
-              <a:t>11/5/2020</a:t>
+              <a:t>11/6/2020</a:t>
             </a:fld>
             <a:endParaRPr lang="en-US" dirty="0"/>
           </a:p>
@@ -36161,7 +36161,7 @@
           <a:p>
             <a:fld id="{BDFCD27C-8599-43EF-BA1D-14DDC1946E06}" type="datetime1">
               <a:rPr lang="en-US" smtClean="0"/>
-              <a:t>11/5/2020</a:t>
+              <a:t>11/6/2020</a:t>
             </a:fld>
             <a:endParaRPr lang="en-US" dirty="0"/>
           </a:p>
@@ -36573,7 +36573,7 @@
           <a:p>
             <a:fld id="{49343D99-809A-49C0-96E5-4250D0B498EE}" type="datetime1">
               <a:rPr lang="en-US" smtClean="0"/>
-              <a:t>11/5/2020</a:t>
+              <a:t>11/6/2020</a:t>
             </a:fld>
             <a:endParaRPr lang="en-US" dirty="0"/>
           </a:p>
@@ -36907,7 +36907,7 @@
           <a:p>
             <a:fld id="{9EA15526-7079-4B7B-987C-1B5FAE11A0FF}" type="datetime1">
               <a:rPr lang="en-US" smtClean="0"/>
-              <a:t>11/5/2020</a:t>
+              <a:t>11/6/2020</a:t>
             </a:fld>
             <a:endParaRPr lang="en-US" dirty="0"/>
           </a:p>
@@ -37037,7 +37037,7 @@
           <a:p>
             <a:fld id="{A143DE9B-B678-4EFB-BB7D-A4370204A0B0}" type="datetime1">
               <a:rPr lang="en-US" smtClean="0"/>
-              <a:t>11/5/2020</a:t>
+              <a:t>11/6/2020</a:t>
             </a:fld>
             <a:endParaRPr lang="en-US" dirty="0"/>
           </a:p>
@@ -37150,7 +37150,7 @@
           <a:p>
             <a:fld id="{E68812DA-F765-4142-A6A3-A8ED7235E082}" type="datetime1">
               <a:rPr lang="en-US" smtClean="0"/>
-              <a:t>11/5/2020</a:t>
+              <a:t>11/6/2020</a:t>
             </a:fld>
             <a:endParaRPr lang="en-US" dirty="0"/>
           </a:p>
@@ -37461,7 +37461,7 @@
           <a:p>
             <a:fld id="{3E0277FD-7DE6-41D4-930D-AC99F5AFE54E}" type="datetime1">
               <a:rPr lang="en-US" smtClean="0"/>
-              <a:t>11/5/2020</a:t>
+              <a:t>11/6/2020</a:t>
             </a:fld>
             <a:endParaRPr lang="en-US" dirty="0"/>
           </a:p>
@@ -37750,7 +37750,7 @@
           <a:p>
             <a:fld id="{9EA15526-7079-4B7B-987C-1B5FAE11A0FF}" type="datetime1">
               <a:rPr lang="en-US" smtClean="0"/>
-              <a:t>11/5/2020</a:t>
+              <a:t>11/6/2020</a:t>
             </a:fld>
             <a:endParaRPr lang="en-US" dirty="0"/>
           </a:p>
@@ -37949,7 +37949,7 @@
           <a:p>
             <a:fld id="{073ED0CC-082F-4160-86E5-0D6041F12778}" type="datetime1">
               <a:rPr lang="en-US" smtClean="0"/>
-              <a:t>11/5/2020</a:t>
+              <a:t>11/6/2020</a:t>
             </a:fld>
             <a:endParaRPr lang="en-US" dirty="0"/>
           </a:p>
@@ -38158,7 +38158,7 @@
           <a:p>
             <a:fld id="{073ED0CC-082F-4160-86E5-0D6041F12778}" type="datetime1">
               <a:rPr lang="en-US" smtClean="0"/>
-              <a:t>11/5/2020</a:t>
+              <a:t>11/6/2020</a:t>
             </a:fld>
             <a:endParaRPr lang="en-US" dirty="0"/>
           </a:p>
@@ -38365,7 +38365,7 @@
           <a:p>
             <a:fld id="{88D38747-4367-4BD2-8D51-C97E202738E2}" type="datetime1">
               <a:rPr lang="en-US" smtClean="0"/>
-              <a:t>11/5/2020</a:t>
+              <a:t>11/6/2020</a:t>
             </a:fld>
             <a:endParaRPr lang="en-US" dirty="0"/>
           </a:p>
@@ -38536,7 +38536,7 @@
           <a:p>
             <a:fld id="{73C55A3C-5767-4844-A0A3-83778C2E5409}" type="datetime1">
               <a:rPr lang="en-US" smtClean="0"/>
-              <a:t>11/5/2020</a:t>
+              <a:t>11/6/2020</a:t>
             </a:fld>
             <a:endParaRPr lang="en-US" dirty="0"/>
           </a:p>
@@ -38784,7 +38784,7 @@
           <a:p>
             <a:fld id="{CAE507A8-A5CF-4D38-AB86-7EDDA87A85D4}" type="datetime1">
               <a:rPr lang="en-US" smtClean="0"/>
-              <a:t>11/5/2020</a:t>
+              <a:t>11/6/2020</a:t>
             </a:fld>
             <a:endParaRPr lang="en-US" dirty="0"/>
           </a:p>
@@ -39022,7 +39022,7 @@
           <a:p>
             <a:fld id="{BDFCD27C-8599-43EF-BA1D-14DDC1946E06}" type="datetime1">
               <a:rPr lang="en-US" smtClean="0"/>
-              <a:t>11/5/2020</a:t>
+              <a:t>11/6/2020</a:t>
             </a:fld>
             <a:endParaRPr lang="en-US" dirty="0"/>
           </a:p>
@@ -39276,7 +39276,7 @@
           <a:p>
             <a:fld id="{073ED0CC-082F-4160-86E5-0D6041F12778}" type="datetime1">
               <a:rPr lang="en-US" smtClean="0"/>
-              <a:t>11/5/2020</a:t>
+              <a:t>11/6/2020</a:t>
             </a:fld>
             <a:endParaRPr lang="en-US" dirty="0"/>
           </a:p>
@@ -40117,7 +40117,7 @@
           <a:p>
             <a:fld id="{073ED0CC-082F-4160-86E5-0D6041F12778}" type="datetime1">
               <a:rPr lang="en-US" smtClean="0"/>
-              <a:t>11/5/2020</a:t>
+              <a:t>11/6/2020</a:t>
             </a:fld>
             <a:endParaRPr lang="en-US" dirty="0"/>
           </a:p>
@@ -40782,7 +40782,7 @@
           <a:p>
             <a:fld id="{073ED0CC-082F-4160-86E5-0D6041F12778}" type="datetime1">
               <a:rPr lang="en-US" smtClean="0"/>
-              <a:t>11/5/2020</a:t>
+              <a:t>11/6/2020</a:t>
             </a:fld>
             <a:endParaRPr lang="en-US" dirty="0"/>
           </a:p>
@@ -41961,7 +41961,7 @@
           <a:p>
             <a:fld id="{073ED0CC-082F-4160-86E5-0D6041F12778}" type="datetime1">
               <a:rPr lang="en-US" smtClean="0"/>
-              <a:t>11/5/2020</a:t>
+              <a:t>11/6/2020</a:t>
             </a:fld>
             <a:endParaRPr lang="en-US" dirty="0"/>
           </a:p>
@@ -42700,7 +42700,7 @@
           <a:p>
             <a:fld id="{073ED0CC-082F-4160-86E5-0D6041F12778}" type="datetime1">
               <a:rPr lang="en-US" smtClean="0"/>
-              <a:t>11/5/2020</a:t>
+              <a:t>11/6/2020</a:t>
             </a:fld>
             <a:endParaRPr lang="en-US" dirty="0"/>
           </a:p>
@@ -43396,7 +43396,7 @@
           <a:p>
             <a:fld id="{073ED0CC-082F-4160-86E5-0D6041F12778}" type="datetime1">
               <a:rPr lang="en-US" smtClean="0"/>
-              <a:t>11/5/2020</a:t>
+              <a:t>11/6/2020</a:t>
             </a:fld>
             <a:endParaRPr lang="en-US" dirty="0"/>
           </a:p>
@@ -44034,7 +44034,7 @@
           <a:p>
             <a:fld id="{073ED0CC-082F-4160-86E5-0D6041F12778}" type="datetime1">
               <a:rPr lang="en-US" smtClean="0"/>
-              <a:t>11/5/2020</a:t>
+              <a:t>11/6/2020</a:t>
             </a:fld>
             <a:endParaRPr lang="en-US" dirty="0"/>
           </a:p>
@@ -44587,7 +44587,7 @@
           <a:p>
             <a:fld id="{073ED0CC-082F-4160-86E5-0D6041F12778}" type="datetime1">
               <a:rPr lang="en-US" smtClean="0"/>
-              <a:t>11/5/2020</a:t>
+              <a:t>11/6/2020</a:t>
             </a:fld>
             <a:endParaRPr lang="en-US" dirty="0"/>
           </a:p>
@@ -45220,7 +45220,7 @@
           <a:p>
             <a:fld id="{073ED0CC-082F-4160-86E5-0D6041F12778}" type="datetime1">
               <a:rPr lang="en-US" smtClean="0"/>
-              <a:t>11/5/2020</a:t>
+              <a:t>11/6/2020</a:t>
             </a:fld>
             <a:endParaRPr lang="en-US" dirty="0"/>
           </a:p>
@@ -45677,7 +45677,7 @@
           <a:p>
             <a:r>
               <a:rPr lang="en-US" sz="4800" b="1" dirty="0"/>
-              <a:t>SIP Project  </a:t>
+              <a:t>  </a:t>
             </a:r>
           </a:p>
         </p:txBody>
@@ -45704,7 +45704,7 @@
         </p:blipFill>
         <p:spPr>
           <a:xfrm>
-            <a:off x="643464" y="1428134"/>
+            <a:off x="643467" y="1688034"/>
             <a:ext cx="3997362" cy="4535785"/>
           </a:xfrm>
           <a:prstGeom prst="roundRect">
@@ -45756,7 +45756,7 @@
             <p:ph idx="1"/>
             <p:extLst>
               <p:ext uri="{D42A27DB-BD31-4B8C-83A1-F6EECF244321}">
-                <p14:modId xmlns:p14="http://schemas.microsoft.com/office/powerpoint/2010/main" val="2138136142"/>
+                <p14:modId xmlns:p14="http://schemas.microsoft.com/office/powerpoint/2010/main" val="2068419716"/>
               </p:ext>
             </p:extLst>
           </p:nvPr>
@@ -45835,7 +45835,7 @@
         </p:blipFill>
         <p:spPr>
           <a:xfrm>
-            <a:off x="7172960" y="3471196"/>
+            <a:off x="8382635" y="3470623"/>
             <a:ext cx="914400" cy="767080"/>
           </a:xfrm>
           <a:prstGeom prst="rect">
@@ -45871,7 +45871,7 @@
         </p:blipFill>
         <p:spPr>
           <a:xfrm>
-            <a:off x="7081520" y="4787899"/>
+            <a:off x="9681845" y="4816474"/>
             <a:ext cx="914400" cy="914400"/>
           </a:xfrm>
           <a:prstGeom prst="rect">
@@ -49516,9 +49516,10 @@
           </a:bodyPr>
           <a:lstStyle/>
           <a:p>
+            <a:pPr algn="ctr"/>
             <a:r>
               <a:rPr lang="en-US" dirty="0"/>
-              <a:t>95% Confidence Intervals</a:t>
+              <a:t>Return forecast </a:t>
             </a:r>
           </a:p>
         </p:txBody>
@@ -49539,7 +49540,7 @@
             <p:ph idx="1"/>
             <p:extLst>
               <p:ext uri="{D42A27DB-BD31-4B8C-83A1-F6EECF244321}">
-                <p14:modId xmlns:p14="http://schemas.microsoft.com/office/powerpoint/2010/main" val="2273041068"/>
+                <p14:modId xmlns:p14="http://schemas.microsoft.com/office/powerpoint/2010/main" val="3540587477"/>
               </p:ext>
             </p:extLst>
           </p:nvPr>
@@ -49699,7 +49700,7 @@
                           <a:effectLst/>
                           <a:latin typeface="Calibri" panose="020F0502020204030204" pitchFamily="34" charset="0"/>
                         </a:rPr>
-                        <a:t> Possible Outcome  Range</a:t>
+                        <a:t> Possible Outcome  Range 5 years</a:t>
                       </a:r>
                       <a:endParaRPr lang="en-US" sz="2600" b="0" i="0" u="none" strike="noStrike" dirty="0">
                         <a:effectLst/>
@@ -49885,7 +49886,7 @@
                         </a:spcAft>
                       </a:pPr>
                       <a:r>
-                        <a:rPr lang="en-US" sz="1600" b="0" i="0" u="none" strike="noStrike">
+                        <a:rPr lang="en-US" sz="1600" b="0" i="0" u="none" strike="noStrike" dirty="0">
                           <a:solidFill>
                             <a:srgbClr val="000000"/>
                           </a:solidFill>
@@ -49894,7 +49895,7 @@
                         </a:rPr>
                         <a:t> $        10,004.70 </a:t>
                       </a:r>
-                      <a:endParaRPr lang="en-US" sz="2600" b="0" i="0" u="none" strike="noStrike">
+                      <a:endParaRPr lang="en-US" sz="2600" b="0" i="0" u="none" strike="noStrike" dirty="0">
                         <a:effectLst/>
                         <a:latin typeface="Arial" panose="020B0604020202020204" pitchFamily="34" charset="0"/>
                       </a:endParaRPr>
@@ -50068,7 +50069,7 @@
                         </a:spcAft>
                       </a:pPr>
                       <a:r>
-                        <a:rPr lang="en-US" sz="1600" b="0" i="0" u="none" strike="noStrike">
+                        <a:rPr lang="en-US" sz="1600" b="0" i="0" u="none" strike="noStrike" dirty="0">
                           <a:solidFill>
                             <a:srgbClr val="000000"/>
                           </a:solidFill>
@@ -50077,7 +50078,7 @@
                         </a:rPr>
                         <a:t> $    10,000.00 </a:t>
                       </a:r>
-                      <a:endParaRPr lang="en-US" sz="2600" b="0" i="0" u="none" strike="noStrike">
+                      <a:endParaRPr lang="en-US" sz="2600" b="0" i="0" u="none" strike="noStrike" dirty="0">
                         <a:effectLst/>
                         <a:latin typeface="Arial" panose="020B0604020202020204" pitchFamily="34" charset="0"/>
                       </a:endParaRPr>
@@ -50112,7 +50113,7 @@
                         </a:spcAft>
                       </a:pPr>
                       <a:r>
-                        <a:rPr lang="en-US" sz="1600" b="0" i="0" u="none" strike="noStrike">
+                        <a:rPr lang="en-US" sz="1600" b="0" i="0" u="none" strike="noStrike" dirty="0">
                           <a:solidFill>
                             <a:srgbClr val="000000"/>
                           </a:solidFill>
@@ -50121,7 +50122,7 @@
                         </a:rPr>
                         <a:t> $        10,477.99 </a:t>
                       </a:r>
-                      <a:endParaRPr lang="en-US" sz="2600" b="0" i="0" u="none" strike="noStrike">
+                      <a:endParaRPr lang="en-US" sz="2600" b="0" i="0" u="none" strike="noStrike" dirty="0">
                         <a:effectLst/>
                         <a:latin typeface="Arial" panose="020B0604020202020204" pitchFamily="34" charset="0"/>
                       </a:endParaRPr>
@@ -50566,7 +50567,7 @@
                         </a:spcAft>
                       </a:pPr>
                       <a:r>
-                        <a:rPr lang="en-US" sz="1600" b="0" i="0" u="none" strike="noStrike">
+                        <a:rPr lang="en-US" sz="1600" b="0" i="0" u="none" strike="noStrike" dirty="0">
                           <a:solidFill>
                             <a:srgbClr val="000000"/>
                           </a:solidFill>
@@ -50575,7 +50576,7 @@
                         </a:rPr>
                         <a:t> $        11,258.54 </a:t>
                       </a:r>
-                      <a:endParaRPr lang="en-US" sz="2600" b="0" i="0" u="none" strike="noStrike">
+                      <a:endParaRPr lang="en-US" sz="2600" b="0" i="0" u="none" strike="noStrike" dirty="0">
                         <a:effectLst/>
                         <a:latin typeface="Arial" panose="020B0604020202020204" pitchFamily="34" charset="0"/>
                       </a:endParaRPr>
@@ -50793,7 +50794,7 @@
                         </a:spcAft>
                       </a:pPr>
                       <a:r>
-                        <a:rPr lang="en-US" sz="1600" b="0" i="0" u="none" strike="noStrike">
+                        <a:rPr lang="en-US" sz="1600" b="0" i="0" u="none" strike="noStrike" dirty="0">
                           <a:solidFill>
                             <a:srgbClr val="000000"/>
                           </a:solidFill>
@@ -50802,7 +50803,7 @@
                         </a:rPr>
                         <a:t> $        10,873.09 </a:t>
                       </a:r>
-                      <a:endParaRPr lang="en-US" sz="2600" b="0" i="0" u="none" strike="noStrike">
+                      <a:endParaRPr lang="en-US" sz="2600" b="0" i="0" u="none" strike="noStrike" dirty="0">
                         <a:effectLst/>
                         <a:latin typeface="Arial" panose="020B0604020202020204" pitchFamily="34" charset="0"/>
                       </a:endParaRPr>
@@ -51020,7 +51021,7 @@
                         </a:spcAft>
                       </a:pPr>
                       <a:r>
-                        <a:rPr lang="en-US" sz="1600" b="0" i="0" u="none" strike="noStrike">
+                        <a:rPr lang="en-US" sz="1600" b="0" i="0" u="none" strike="noStrike" dirty="0">
                           <a:solidFill>
                             <a:srgbClr val="000000"/>
                           </a:solidFill>
@@ -51029,7 +51030,7 @@
                         </a:rPr>
                         <a:t> $        10,652.62 </a:t>
                       </a:r>
-                      <a:endParaRPr lang="en-US" sz="2600" b="0" i="0" u="none" strike="noStrike">
+                      <a:endParaRPr lang="en-US" sz="2600" b="0" i="0" u="none" strike="noStrike" dirty="0">
                         <a:effectLst/>
                         <a:latin typeface="Arial" panose="020B0604020202020204" pitchFamily="34" charset="0"/>
                       </a:endParaRPr>
@@ -51247,7 +51248,7 @@
                         </a:spcAft>
                       </a:pPr>
                       <a:r>
-                        <a:rPr lang="en-US" sz="1600" b="0" i="0" u="none" strike="noStrike">
+                        <a:rPr lang="en-US" sz="1600" b="0" i="0" u="none" strike="noStrike" dirty="0">
                           <a:solidFill>
                             <a:srgbClr val="000000"/>
                           </a:solidFill>
@@ -51256,7 +51257,7 @@
                         </a:rPr>
                         <a:t> $        10,498.61 </a:t>
                       </a:r>
-                      <a:endParaRPr lang="en-US" sz="2600" b="0" i="0" u="none" strike="noStrike">
+                      <a:endParaRPr lang="en-US" sz="2600" b="0" i="0" u="none" strike="noStrike" dirty="0">
                         <a:effectLst/>
                         <a:latin typeface="Arial" panose="020B0604020202020204" pitchFamily="34" charset="0"/>
                       </a:endParaRPr>
@@ -51513,6 +51514,28 @@
 <file path=ppt/slides/slide15.xml><?xml version="1.0" encoding="utf-8"?>
 <p:sld xmlns:a="http://schemas.openxmlformats.org/drawingml/2006/main" xmlns:r="http://schemas.openxmlformats.org/officeDocument/2006/relationships" xmlns:p="http://schemas.openxmlformats.org/presentationml/2006/main">
   <p:cSld>
+    <p:bg>
+      <p:bgPr>
+        <a:blipFill rotWithShape="1">
+          <a:blip r:embed="rId2">
+            <a:duotone>
+              <a:schemeClr val="bg2">
+                <a:shade val="18000"/>
+                <a:satMod val="160000"/>
+                <a:lumMod val="28000"/>
+              </a:schemeClr>
+              <a:schemeClr val="bg2">
+                <a:tint val="95000"/>
+                <a:satMod val="160000"/>
+                <a:lumMod val="116000"/>
+              </a:schemeClr>
+            </a:duotone>
+          </a:blip>
+          <a:stretch/>
+        </a:blipFill>
+        <a:effectLst/>
+      </p:bgPr>
+    </p:bg>
     <p:spTree>
       <p:nvGrpSpPr>
         <p:cNvPr id="1" name=""/>
@@ -51529,54 +51552,166 @@
       </p:grpSpPr>
       <p:sp>
         <p:nvSpPr>
-          <p:cNvPr id="2" name="Title 1">
+          <p:cNvPr id="10" name="Rectangle 9">
             <a:extLst>
               <a:ext uri="{FF2B5EF4-FFF2-40B4-BE49-F238E27FC236}">
-                <a16:creationId xmlns:a16="http://schemas.microsoft.com/office/drawing/2014/main" id="{AE7FB7A3-AE04-41D9-9CDB-6948E29F3B6B}"/>
+                <a16:creationId xmlns:a16="http://schemas.microsoft.com/office/drawing/2014/main" id="{559E787A-A567-464A-BB9E-E9B95AA41E40}"/>
+              </a:ext>
+              <a:ext uri="{C183D7F6-B498-43B3-948B-1728B52AA6E4}">
+                <adec:decorative xmlns:adec="http://schemas.microsoft.com/office/drawing/2017/decorative" val="1"/>
               </a:ext>
             </a:extLst>
           </p:cNvPr>
           <p:cNvSpPr>
-            <a:spLocks noGrp="1"/>
-          </p:cNvSpPr>
-          <p:nvPr>
-            <p:ph type="title"/>
-          </p:nvPr>
-        </p:nvSpPr>
-        <p:spPr/>
-        <p:txBody>
-          <a:bodyPr/>
+            <a:spLocks noGrp="1" noRot="1" noChangeAspect="1" noMove="1" noResize="1" noEditPoints="1" noAdjustHandles="1" noChangeArrowheads="1" noChangeShapeType="1" noTextEdit="1"/>
+          </p:cNvSpPr>
+          <p:nvPr>
+            <p:extLst>
+              <p:ext uri="{386F3935-93C4-4BCD-93E2-E3B085C9AB24}">
+                <p16:designElem xmlns:p16="http://schemas.microsoft.com/office/powerpoint/2015/main" val="1"/>
+              </p:ext>
+            </p:extLst>
+          </p:nvPr>
+        </p:nvSpPr>
+        <p:spPr>
+          <a:xfrm>
+            <a:off x="0" y="0"/>
+            <a:ext cx="12192000" cy="6858000"/>
+          </a:xfrm>
+          <a:prstGeom prst="rect">
+            <a:avLst/>
+          </a:prstGeom>
+          <a:solidFill>
+            <a:schemeClr val="bg2"/>
+          </a:solidFill>
+          <a:ln>
+            <a:noFill/>
+          </a:ln>
+        </p:spPr>
+        <p:style>
+          <a:lnRef idx="2">
+            <a:schemeClr val="accent1">
+              <a:shade val="50000"/>
+            </a:schemeClr>
+          </a:lnRef>
+          <a:fillRef idx="1">
+            <a:schemeClr val="accent1"/>
+          </a:fillRef>
+          <a:effectRef idx="0">
+            <a:schemeClr val="accent1"/>
+          </a:effectRef>
+          <a:fontRef idx="minor">
+            <a:schemeClr val="lt1"/>
+          </a:fontRef>
+        </p:style>
+        <p:txBody>
+          <a:bodyPr rtlCol="0" anchor="ctr"/>
           <a:lstStyle/>
           <a:p>
-            <a:endParaRPr lang="en-US" dirty="0"/>
-          </a:p>
-        </p:txBody>
-      </p:sp>
-      <p:sp>
-        <p:nvSpPr>
-          <p:cNvPr id="3" name="Content Placeholder 2">
+            <a:pPr algn="ctr"/>
+            <a:endParaRPr lang="en-US"/>
+          </a:p>
+        </p:txBody>
+      </p:sp>
+      <p:sp>
+        <p:nvSpPr>
+          <p:cNvPr id="12" name="Rectangle 11">
             <a:extLst>
               <a:ext uri="{FF2B5EF4-FFF2-40B4-BE49-F238E27FC236}">
-                <a16:creationId xmlns:a16="http://schemas.microsoft.com/office/drawing/2014/main" id="{8C133B9C-B0B4-4B4D-82DF-02CD997ADE90}"/>
+                <a16:creationId xmlns:a16="http://schemas.microsoft.com/office/drawing/2014/main" id="{36A476B5-55AD-43A1-B1FB-5AC76B54F0A0}"/>
+              </a:ext>
+              <a:ext uri="{C183D7F6-B498-43B3-948B-1728B52AA6E4}">
+                <adec:decorative xmlns:adec="http://schemas.microsoft.com/office/drawing/2017/decorative" val="1"/>
               </a:ext>
             </a:extLst>
           </p:cNvPr>
           <p:cNvSpPr>
-            <a:spLocks noGrp="1"/>
-          </p:cNvSpPr>
+            <a:spLocks noGrp="1" noRot="1" noChangeAspect="1" noMove="1" noResize="1" noEditPoints="1" noAdjustHandles="1" noChangeArrowheads="1" noChangeShapeType="1" noTextEdit="1"/>
+          </p:cNvSpPr>
+          <p:nvPr>
+            <p:extLst>
+              <p:ext uri="{386F3935-93C4-4BCD-93E2-E3B085C9AB24}">
+                <p16:designElem xmlns:p16="http://schemas.microsoft.com/office/powerpoint/2015/main" val="1"/>
+              </p:ext>
+            </p:extLst>
+          </p:nvPr>
+        </p:nvSpPr>
+        <p:spPr>
+          <a:xfrm>
+            <a:off x="477012" y="480060"/>
+            <a:ext cx="11237976" cy="5897880"/>
+          </a:xfrm>
+          <a:prstGeom prst="rect">
+            <a:avLst/>
+          </a:prstGeom>
+          <a:solidFill>
+            <a:srgbClr val="FFFFFF"/>
+          </a:solidFill>
+          <a:ln w="9525">
+            <a:noFill/>
+          </a:ln>
+          <a:effectLst>
+            <a:outerShdw blurRad="63500" dist="17780" dir="5400000" algn="t" rotWithShape="0">
+              <a:prstClr val="black">
+                <a:alpha val="43000"/>
+              </a:prstClr>
+            </a:outerShdw>
+          </a:effectLst>
+        </p:spPr>
+        <p:style>
+          <a:lnRef idx="2">
+            <a:schemeClr val="accent1">
+              <a:shade val="50000"/>
+            </a:schemeClr>
+          </a:lnRef>
+          <a:fillRef idx="1">
+            <a:schemeClr val="accent1"/>
+          </a:fillRef>
+          <a:effectRef idx="0">
+            <a:schemeClr val="accent1"/>
+          </a:effectRef>
+          <a:fontRef idx="minor">
+            <a:schemeClr val="lt1"/>
+          </a:fontRef>
+        </p:style>
+        <p:txBody>
+          <a:bodyPr rtlCol="0" anchor="ctr"/>
+          <a:lstStyle/>
+          <a:p>
+            <a:pPr algn="ctr"/>
+            <a:endParaRPr lang="en-US"/>
+          </a:p>
+        </p:txBody>
+      </p:sp>
+      <p:pic>
+        <p:nvPicPr>
+          <p:cNvPr id="15" name="Content Placeholder 14" descr="Logo, icon&#10;&#10;Description automatically generated">
+            <a:extLst>
+              <a:ext uri="{FF2B5EF4-FFF2-40B4-BE49-F238E27FC236}">
+                <a16:creationId xmlns:a16="http://schemas.microsoft.com/office/drawing/2014/main" id="{CFFF77E9-D8EA-45E1-9DD9-3349B8DABB61}"/>
+              </a:ext>
+            </a:extLst>
+          </p:cNvPr>
+          <p:cNvPicPr>
+            <a:picLocks noGrp="1" noChangeAspect="1"/>
+          </p:cNvPicPr>
           <p:nvPr>
             <p:ph idx="1"/>
           </p:nvPr>
-        </p:nvSpPr>
-        <p:spPr/>
-        <p:txBody>
-          <a:bodyPr/>
-          <a:lstStyle/>
-          <a:p>
-            <a:endParaRPr lang="en-US" dirty="0"/>
-          </a:p>
-        </p:txBody>
-      </p:sp>
+        </p:nvPicPr>
+        <p:blipFill>
+          <a:blip r:embed="rId3"/>
+          <a:stretch>
+            <a:fillRect/>
+          </a:stretch>
+        </p:blipFill>
+        <p:spPr>
+          <a:xfrm>
+            <a:off x="2044171" y="1211580"/>
+            <a:ext cx="6570133" cy="3695700"/>
+          </a:xfrm>
+        </p:spPr>
+      </p:pic>
     </p:spTree>
     <p:extLst>
       <p:ext uri="{BB962C8B-B14F-4D97-AF65-F5344CB8AC3E}">
@@ -54582,13 +54717,13 @@
   <p:clrMapOvr>
     <a:masterClrMapping/>
   </p:clrMapOvr>
-  <mc:AlternateContent xmlns:mc="http://schemas.openxmlformats.org/markup-compatibility/2006">
-    <mc:Choice xmlns:p159="http://schemas.microsoft.com/office/powerpoint/2015/09/main" Requires="p159">
+  <mc:AlternateContent xmlns:mc="http://schemas.openxmlformats.org/markup-compatibility/2006" xmlns:p159="http://schemas.microsoft.com/office/powerpoint/2015/09/main">
+    <mc:Choice Requires="p159">
       <p:transition xmlns:p14="http://schemas.microsoft.com/office/powerpoint/2010/main" spd="slow" p14:dur="2000">
         <p159:morph option="byObject"/>
       </p:transition>
     </mc:Choice>
-    <mc:Fallback>
+    <mc:Fallback xmlns="">
       <p:transition spd="slow">
         <p:fade/>
       </p:transition>
@@ -54760,13 +54895,13 @@
   <p:clrMapOvr>
     <a:masterClrMapping/>
   </p:clrMapOvr>
-  <mc:AlternateContent xmlns:mc="http://schemas.openxmlformats.org/markup-compatibility/2006">
-    <mc:Choice xmlns:p159="http://schemas.microsoft.com/office/powerpoint/2015/09/main" Requires="p159">
+  <mc:AlternateContent xmlns:mc="http://schemas.openxmlformats.org/markup-compatibility/2006" xmlns:p159="http://schemas.microsoft.com/office/powerpoint/2015/09/main">
+    <mc:Choice Requires="p159">
       <p:transition xmlns:p14="http://schemas.microsoft.com/office/powerpoint/2010/main" spd="slow" p14:dur="2000">
         <p159:morph option="byObject"/>
       </p:transition>
     </mc:Choice>
-    <mc:Fallback>
+    <mc:Fallback xmlns="">
       <p:transition spd="slow">
         <p:fade/>
       </p:transition>
